--- a/Presentations/AVR Live Class 17.pptx
+++ b/Presentations/AVR Live Class 17.pptx
@@ -7187,7 +7187,7 @@
                         <a:buNone/>
                       </a:pPr>
                       <a:r>
-                        <a:rPr lang="en-IN"/>
+                        <a:rPr lang="en-IN" dirty="0"/>
                         <a:t>SPE</a:t>
                       </a:r>
                     </a:p>
@@ -7241,7 +7241,7 @@
                         <a:buNone/>
                       </a:pPr>
                       <a:r>
-                        <a:rPr lang="en-IN"/>
+                        <a:rPr lang="en-IN" dirty="0"/>
                         <a:t>SPI Enable</a:t>
                       </a:r>
                     </a:p>
@@ -7464,7 +7464,7 @@
                         <a:buNone/>
                       </a:pPr>
                       <a:r>
-                        <a:rPr lang="en-IN"/>
+                        <a:rPr lang="en-IN" dirty="0"/>
                         <a:t>1 for Master mode</a:t>
                       </a:r>
                     </a:p>
@@ -7525,7 +7525,7 @@
                         <a:buNone/>
                       </a:pPr>
                       <a:r>
-                        <a:rPr lang="en-IN"/>
+                        <a:rPr lang="en-IN" dirty="0"/>
                         <a:t>SPR1, SPR0</a:t>
                       </a:r>
                     </a:p>
@@ -7694,7 +7694,7 @@
                         <a:buNone/>
                       </a:pPr>
                       <a:r>
-                        <a:rPr lang="en-IN"/>
+                        <a:rPr lang="en-IN" dirty="0"/>
                         <a:t>CPOL, CPHA</a:t>
                       </a:r>
                     </a:p>
@@ -12243,10 +12243,10 @@
                         <a:buNone/>
                       </a:pPr>
                       <a:r>
-                        <a:rPr lang="en-IN" sz="900" b="1"/>
+                        <a:rPr lang="en-IN" sz="900" b="1" dirty="0"/>
                         <a:t>SPIE</a:t>
                       </a:r>
-                      <a:endParaRPr lang="en-IN" sz="900"/>
+                      <a:endParaRPr lang="en-IN" sz="900" dirty="0"/>
                     </a:p>
                   </a:txBody>
                   <a:tcPr marL="56624" marR="56624" marT="28312" marB="28312" anchor="ctr">
@@ -12753,10 +12753,10 @@
                         <a:buNone/>
                       </a:pPr>
                       <a:r>
-                        <a:rPr lang="en-IN" sz="900" b="1"/>
+                        <a:rPr lang="en-IN" sz="900" b="1" dirty="0"/>
                         <a:t>MSTR</a:t>
                       </a:r>
-                      <a:endParaRPr lang="en-IN" sz="900"/>
+                      <a:endParaRPr lang="en-IN" sz="900" dirty="0"/>
                     </a:p>
                   </a:txBody>
                   <a:tcPr marL="56624" marR="56624" marT="28312" marB="28312" anchor="ctr">
@@ -12808,7 +12808,7 @@
                         <a:buNone/>
                       </a:pPr>
                       <a:r>
-                        <a:rPr lang="en-IN" sz="900"/>
+                        <a:rPr lang="en-IN" sz="900" dirty="0"/>
                         <a:t>Master/Slave Select (1 = Master mode)</a:t>
                       </a:r>
                     </a:p>
@@ -12923,10 +12923,10 @@
                         <a:buNone/>
                       </a:pPr>
                       <a:r>
-                        <a:rPr lang="en-IN" sz="900" b="1"/>
+                        <a:rPr lang="en-IN" sz="900" b="1" dirty="0"/>
                         <a:t>CPOL</a:t>
                       </a:r>
-                      <a:endParaRPr lang="en-IN" sz="900"/>
+                      <a:endParaRPr lang="en-IN" sz="900" dirty="0"/>
                     </a:p>
                   </a:txBody>
                   <a:tcPr marL="56624" marR="56624" marT="28312" marB="28312" anchor="ctr">
@@ -13093,10 +13093,10 @@
                         <a:buNone/>
                       </a:pPr>
                       <a:r>
-                        <a:rPr lang="en-IN" sz="900" b="1"/>
+                        <a:rPr lang="en-IN" sz="900" b="1" dirty="0"/>
                         <a:t>CPHA</a:t>
                       </a:r>
-                      <a:endParaRPr lang="en-IN" sz="900"/>
+                      <a:endParaRPr lang="en-IN" sz="900" dirty="0"/>
                     </a:p>
                   </a:txBody>
                   <a:tcPr marL="56624" marR="56624" marT="28312" marB="28312" anchor="ctr">
@@ -13263,10 +13263,10 @@
                         <a:buNone/>
                       </a:pPr>
                       <a:r>
-                        <a:rPr lang="en-IN" sz="900" b="1"/>
+                        <a:rPr lang="en-IN" sz="900" b="1" dirty="0"/>
                         <a:t>SPR1</a:t>
                       </a:r>
-                      <a:endParaRPr lang="en-IN" sz="900"/>
+                      <a:endParaRPr lang="en-IN" sz="900" dirty="0"/>
                     </a:p>
                   </a:txBody>
                   <a:tcPr marL="56624" marR="56624" marT="28312" marB="28312" anchor="ctr">
@@ -13433,10 +13433,10 @@
                         <a:buNone/>
                       </a:pPr>
                       <a:r>
-                        <a:rPr lang="en-IN" sz="900" b="1"/>
+                        <a:rPr lang="en-IN" sz="900" b="1" dirty="0"/>
                         <a:t>SPR0</a:t>
                       </a:r>
-                      <a:endParaRPr lang="en-IN" sz="900"/>
+                      <a:endParaRPr lang="en-IN" sz="900" dirty="0"/>
                     </a:p>
                   </a:txBody>
                   <a:tcPr marL="56624" marR="56624" marT="28312" marB="28312" anchor="ctr">

--- a/Presentations/AVR Live Class 17.pptx
+++ b/Presentations/AVR Live Class 17.pptx
@@ -6495,7 +6495,7 @@
                         <a:buNone/>
                       </a:pPr>
                       <a:r>
-                        <a:rPr lang="en-IN"/>
+                        <a:rPr lang="en-IN" dirty="0"/>
                         <a:t>PB2</a:t>
                       </a:r>
                     </a:p>
